--- a/database/Firebase_데이터베이스.pptx
+++ b/database/Firebase_데이터베이스.pptx
@@ -4702,8 +4702,49 @@
         </p:blipFill>
         <p:spPr bwMode="auto">
           <a:xfrm>
-            <a:off x="1115614" y="1772816"/>
-            <a:ext cx="6850063" cy="3800475"/>
+            <a:off x="1331640" y="260648"/>
+            <a:ext cx="5688634" cy="3156104"/>
+          </a:xfrm>
+          <a:prstGeom prst="rect">
+            <a:avLst/>
+          </a:prstGeom>
+          <a:noFill/>
+          <a:extLst>
+            <a:ext uri="{909E8E84-426E-40DD-AFC4-6F175D3DCCD1}">
+              <a14:hiddenFill xmlns:a14="http://schemas.microsoft.com/office/drawing/2010/main">
+                <a:solidFill>
+                  <a:srgbClr val="FFFFFF"/>
+                </a:solidFill>
+              </a14:hiddenFill>
+            </a:ext>
+          </a:extLst>
+        </p:spPr>
+      </p:pic>
+      <p:pic>
+        <p:nvPicPr>
+          <p:cNvPr id="3075" name="Picture 3" descr="C:\Users\smile\Desktop\Screen Shot 2021-02-04 at 오후 1.03.png"/>
+          <p:cNvPicPr>
+            <a:picLocks noChangeAspect="1" noChangeArrowheads="1"/>
+          </p:cNvPicPr>
+          <p:nvPr/>
+        </p:nvPicPr>
+        <p:blipFill>
+          <a:blip r:embed="rId3">
+            <a:extLst>
+              <a:ext uri="{28A0092B-C50C-407E-A947-70E740481C1C}">
+                <a14:useLocalDpi xmlns:a14="http://schemas.microsoft.com/office/drawing/2010/main" val="0"/>
+              </a:ext>
+            </a:extLst>
+          </a:blip>
+          <a:srcRect/>
+          <a:stretch>
+            <a:fillRect/>
+          </a:stretch>
+        </p:blipFill>
+        <p:spPr bwMode="auto">
+          <a:xfrm>
+            <a:off x="1331640" y="3669005"/>
+            <a:ext cx="5587453" cy="2705183"/>
           </a:xfrm>
           <a:prstGeom prst="rect">
             <a:avLst/>
@@ -6762,6 +6803,47 @@
           <a:chExt cx="0" cy="0"/>
         </a:xfrm>
       </p:grpSpPr>
+      <p:pic>
+        <p:nvPicPr>
+          <p:cNvPr id="2" name="Picture 2" descr="C:\Users\smile\Desktop\Screen Shot 2021-02-04 at 오후 1.04.png"/>
+          <p:cNvPicPr>
+            <a:picLocks noChangeAspect="1" noChangeArrowheads="1"/>
+          </p:cNvPicPr>
+          <p:nvPr/>
+        </p:nvPicPr>
+        <p:blipFill>
+          <a:blip r:embed="rId2">
+            <a:extLst>
+              <a:ext uri="{28A0092B-C50C-407E-A947-70E740481C1C}">
+                <a14:useLocalDpi xmlns:a14="http://schemas.microsoft.com/office/drawing/2010/main" val="0"/>
+              </a:ext>
+            </a:extLst>
+          </a:blip>
+          <a:srcRect/>
+          <a:stretch>
+            <a:fillRect/>
+          </a:stretch>
+        </p:blipFill>
+        <p:spPr bwMode="auto">
+          <a:xfrm>
+            <a:off x="611560" y="1556792"/>
+            <a:ext cx="7383462" cy="4000500"/>
+          </a:xfrm>
+          <a:prstGeom prst="rect">
+            <a:avLst/>
+          </a:prstGeom>
+          <a:noFill/>
+          <a:extLst>
+            <a:ext uri="{909E8E84-426E-40DD-AFC4-6F175D3DCCD1}">
+              <a14:hiddenFill xmlns:a14="http://schemas.microsoft.com/office/drawing/2010/main">
+                <a:solidFill>
+                  <a:srgbClr val="FFFFFF"/>
+                </a:solidFill>
+              </a14:hiddenFill>
+            </a:ext>
+          </a:extLst>
+        </p:spPr>
+      </p:pic>
     </p:spTree>
     <p:extLst>
       <p:ext uri="{BB962C8B-B14F-4D97-AF65-F5344CB8AC3E}">

--- a/database/Firebase_데이터베이스.pptx
+++ b/database/Firebase_데이터베이스.pptx
@@ -44,6 +44,13 @@
     <p:sldId id="294" r:id="rId38"/>
     <p:sldId id="295" r:id="rId39"/>
     <p:sldId id="296" r:id="rId40"/>
+    <p:sldId id="297" r:id="rId41"/>
+    <p:sldId id="298" r:id="rId42"/>
+    <p:sldId id="299" r:id="rId43"/>
+    <p:sldId id="300" r:id="rId44"/>
+    <p:sldId id="302" r:id="rId45"/>
+    <p:sldId id="301" r:id="rId46"/>
+    <p:sldId id="303" r:id="rId47"/>
   </p:sldIdLst>
   <p:sldSz cx="9144000" cy="6858000" type="screen4x3"/>
   <p:notesSz cx="6858000" cy="9144000"/>
@@ -6917,6 +6924,1577 @@
 </p:sld>
 </file>
 
+<file path=ppt/slides/slide40.xml><?xml version="1.0" encoding="utf-8"?>
+<p:sld xmlns:a="http://schemas.openxmlformats.org/drawingml/2006/main" xmlns:r="http://schemas.openxmlformats.org/officeDocument/2006/relationships" xmlns:p="http://schemas.openxmlformats.org/presentationml/2006/main">
+  <p:cSld>
+    <p:spTree>
+      <p:nvGrpSpPr>
+        <p:cNvPr id="1" name=""/>
+        <p:cNvGrpSpPr/>
+        <p:nvPr/>
+      </p:nvGrpSpPr>
+      <p:grpSpPr>
+        <a:xfrm>
+          <a:off x="0" y="0"/>
+          <a:ext cx="0" cy="0"/>
+          <a:chOff x="0" y="0"/>
+          <a:chExt cx="0" cy="0"/>
+        </a:xfrm>
+      </p:grpSpPr>
+      <p:pic>
+        <p:nvPicPr>
+          <p:cNvPr id="1026" name="Picture 2" descr="C:\Users\smile\Desktop\Screen Shot 2021-02-04 at 오후 1.11.png"/>
+          <p:cNvPicPr>
+            <a:picLocks noChangeAspect="1" noChangeArrowheads="1"/>
+          </p:cNvPicPr>
+          <p:nvPr/>
+        </p:nvPicPr>
+        <p:blipFill>
+          <a:blip r:embed="rId2">
+            <a:extLst>
+              <a:ext uri="{28A0092B-C50C-407E-A947-70E740481C1C}">
+                <a14:useLocalDpi xmlns:a14="http://schemas.microsoft.com/office/drawing/2010/main" val="0"/>
+              </a:ext>
+            </a:extLst>
+          </a:blip>
+          <a:srcRect/>
+          <a:stretch>
+            <a:fillRect/>
+          </a:stretch>
+        </p:blipFill>
+        <p:spPr bwMode="auto">
+          <a:xfrm>
+            <a:off x="251520" y="980728"/>
+            <a:ext cx="8764588" cy="3819525"/>
+          </a:xfrm>
+          <a:prstGeom prst="rect">
+            <a:avLst/>
+          </a:prstGeom>
+          <a:noFill/>
+          <a:extLst>
+            <a:ext uri="{909E8E84-426E-40DD-AFC4-6F175D3DCCD1}">
+              <a14:hiddenFill xmlns:a14="http://schemas.microsoft.com/office/drawing/2010/main">
+                <a:solidFill>
+                  <a:srgbClr val="FFFFFF"/>
+                </a:solidFill>
+              </a14:hiddenFill>
+            </a:ext>
+          </a:extLst>
+        </p:spPr>
+      </p:pic>
+    </p:spTree>
+    <p:extLst>
+      <p:ext uri="{BB962C8B-B14F-4D97-AF65-F5344CB8AC3E}">
+        <p14:creationId xmlns:p14="http://schemas.microsoft.com/office/powerpoint/2010/main" val="701738684"/>
+      </p:ext>
+    </p:extLst>
+  </p:cSld>
+  <p:clrMapOvr>
+    <a:masterClrMapping/>
+  </p:clrMapOvr>
+</p:sld>
+</file>
+
+<file path=ppt/slides/slide41.xml><?xml version="1.0" encoding="utf-8"?>
+<p:sld xmlns:a="http://schemas.openxmlformats.org/drawingml/2006/main" xmlns:r="http://schemas.openxmlformats.org/officeDocument/2006/relationships" xmlns:p="http://schemas.openxmlformats.org/presentationml/2006/main">
+  <p:cSld>
+    <p:spTree>
+      <p:nvGrpSpPr>
+        <p:cNvPr id="1" name=""/>
+        <p:cNvGrpSpPr/>
+        <p:nvPr/>
+      </p:nvGrpSpPr>
+      <p:grpSpPr>
+        <a:xfrm>
+          <a:off x="0" y="0"/>
+          <a:ext cx="0" cy="0"/>
+          <a:chOff x="0" y="0"/>
+          <a:chExt cx="0" cy="0"/>
+        </a:xfrm>
+      </p:grpSpPr>
+      <p:pic>
+        <p:nvPicPr>
+          <p:cNvPr id="2051" name="Picture 3" descr="C:\Users\smile\Desktop\Screen Shot 2021-02-04 at 오후 1.16.png"/>
+          <p:cNvPicPr>
+            <a:picLocks noChangeAspect="1" noChangeArrowheads="1"/>
+          </p:cNvPicPr>
+          <p:nvPr/>
+        </p:nvPicPr>
+        <p:blipFill>
+          <a:blip r:embed="rId2">
+            <a:extLst>
+              <a:ext uri="{28A0092B-C50C-407E-A947-70E740481C1C}">
+                <a14:useLocalDpi xmlns:a14="http://schemas.microsoft.com/office/drawing/2010/main" val="0"/>
+              </a:ext>
+            </a:extLst>
+          </a:blip>
+          <a:srcRect/>
+          <a:stretch>
+            <a:fillRect/>
+          </a:stretch>
+        </p:blipFill>
+        <p:spPr bwMode="auto">
+          <a:xfrm>
+            <a:off x="722313" y="1124744"/>
+            <a:ext cx="5774455" cy="2808312"/>
+          </a:xfrm>
+          <a:prstGeom prst="rect">
+            <a:avLst/>
+          </a:prstGeom>
+          <a:noFill/>
+          <a:extLst>
+            <a:ext uri="{909E8E84-426E-40DD-AFC4-6F175D3DCCD1}">
+              <a14:hiddenFill xmlns:a14="http://schemas.microsoft.com/office/drawing/2010/main">
+                <a:solidFill>
+                  <a:srgbClr val="FFFFFF"/>
+                </a:solidFill>
+              </a14:hiddenFill>
+            </a:ext>
+          </a:extLst>
+        </p:spPr>
+      </p:pic>
+      <p:pic>
+        <p:nvPicPr>
+          <p:cNvPr id="2052" name="Picture 4" descr="C:\Users\smile\Desktop\Screen Shot 2021-02-04 at 오후 1.16 - 2.png"/>
+          <p:cNvPicPr>
+            <a:picLocks noChangeAspect="1" noChangeArrowheads="1"/>
+          </p:cNvPicPr>
+          <p:nvPr/>
+        </p:nvPicPr>
+        <p:blipFill>
+          <a:blip r:embed="rId3">
+            <a:extLst>
+              <a:ext uri="{28A0092B-C50C-407E-A947-70E740481C1C}">
+                <a14:useLocalDpi xmlns:a14="http://schemas.microsoft.com/office/drawing/2010/main" val="0"/>
+              </a:ext>
+            </a:extLst>
+          </a:blip>
+          <a:srcRect/>
+          <a:stretch>
+            <a:fillRect/>
+          </a:stretch>
+        </p:blipFill>
+        <p:spPr bwMode="auto">
+          <a:xfrm>
+            <a:off x="3347864" y="3645024"/>
+            <a:ext cx="5210175" cy="2619375"/>
+          </a:xfrm>
+          <a:prstGeom prst="rect">
+            <a:avLst/>
+          </a:prstGeom>
+          <a:noFill/>
+          <a:extLst>
+            <a:ext uri="{909E8E84-426E-40DD-AFC4-6F175D3DCCD1}">
+              <a14:hiddenFill xmlns:a14="http://schemas.microsoft.com/office/drawing/2010/main">
+                <a:solidFill>
+                  <a:srgbClr val="FFFFFF"/>
+                </a:solidFill>
+              </a14:hiddenFill>
+            </a:ext>
+          </a:extLst>
+        </p:spPr>
+      </p:pic>
+      <p:cxnSp>
+        <p:nvCxnSpPr>
+          <p:cNvPr id="3" name="직선 화살표 연결선 2"/>
+          <p:cNvCxnSpPr/>
+          <p:nvPr/>
+        </p:nvCxnSpPr>
+        <p:spPr>
+          <a:xfrm flipH="1" flipV="1">
+            <a:off x="3779912" y="1700808"/>
+            <a:ext cx="360040" cy="2952328"/>
+          </a:xfrm>
+          <a:prstGeom prst="straightConnector1">
+            <a:avLst/>
+          </a:prstGeom>
+          <a:ln>
+            <a:solidFill>
+              <a:srgbClr val="FF0000"/>
+            </a:solidFill>
+            <a:tailEnd type="arrow"/>
+          </a:ln>
+        </p:spPr>
+        <p:style>
+          <a:lnRef idx="1">
+            <a:schemeClr val="accent1"/>
+          </a:lnRef>
+          <a:fillRef idx="0">
+            <a:schemeClr val="accent1"/>
+          </a:fillRef>
+          <a:effectRef idx="0">
+            <a:schemeClr val="accent1"/>
+          </a:effectRef>
+          <a:fontRef idx="minor">
+            <a:schemeClr val="tx1"/>
+          </a:fontRef>
+        </p:style>
+      </p:cxnSp>
+    </p:spTree>
+    <p:extLst>
+      <p:ext uri="{BB962C8B-B14F-4D97-AF65-F5344CB8AC3E}">
+        <p14:creationId xmlns:p14="http://schemas.microsoft.com/office/powerpoint/2010/main" val="3886811381"/>
+      </p:ext>
+    </p:extLst>
+  </p:cSld>
+  <p:clrMapOvr>
+    <a:masterClrMapping/>
+  </p:clrMapOvr>
+</p:sld>
+</file>
+
+<file path=ppt/slides/slide42.xml><?xml version="1.0" encoding="utf-8"?>
+<p:sld xmlns:a="http://schemas.openxmlformats.org/drawingml/2006/main" xmlns:r="http://schemas.openxmlformats.org/officeDocument/2006/relationships" xmlns:p="http://schemas.openxmlformats.org/presentationml/2006/main">
+  <p:cSld>
+    <p:spTree>
+      <p:nvGrpSpPr>
+        <p:cNvPr id="1" name=""/>
+        <p:cNvGrpSpPr/>
+        <p:nvPr/>
+      </p:nvGrpSpPr>
+      <p:grpSpPr>
+        <a:xfrm>
+          <a:off x="0" y="0"/>
+          <a:ext cx="0" cy="0"/>
+          <a:chOff x="0" y="0"/>
+          <a:chExt cx="0" cy="0"/>
+        </a:xfrm>
+      </p:grpSpPr>
+      <p:pic>
+        <p:nvPicPr>
+          <p:cNvPr id="2" name="Picture 2" descr="C:\Users\smile\Desktop\Screen Shot 2021-02-04 at 오후 1.15.png"/>
+          <p:cNvPicPr>
+            <a:picLocks noChangeAspect="1" noChangeArrowheads="1"/>
+          </p:cNvPicPr>
+          <p:nvPr/>
+        </p:nvPicPr>
+        <p:blipFill>
+          <a:blip r:embed="rId2">
+            <a:extLst>
+              <a:ext uri="{28A0092B-C50C-407E-A947-70E740481C1C}">
+                <a14:useLocalDpi xmlns:a14="http://schemas.microsoft.com/office/drawing/2010/main" val="0"/>
+              </a:ext>
+            </a:extLst>
+          </a:blip>
+          <a:srcRect/>
+          <a:stretch>
+            <a:fillRect/>
+          </a:stretch>
+        </p:blipFill>
+        <p:spPr bwMode="auto">
+          <a:xfrm>
+            <a:off x="1187624" y="2420888"/>
+            <a:ext cx="5783263" cy="1724025"/>
+          </a:xfrm>
+          <a:prstGeom prst="rect">
+            <a:avLst/>
+          </a:prstGeom>
+          <a:noFill/>
+          <a:extLst>
+            <a:ext uri="{909E8E84-426E-40DD-AFC4-6F175D3DCCD1}">
+              <a14:hiddenFill xmlns:a14="http://schemas.microsoft.com/office/drawing/2010/main">
+                <a:solidFill>
+                  <a:srgbClr val="FFFFFF"/>
+                </a:solidFill>
+              </a14:hiddenFill>
+            </a:ext>
+          </a:extLst>
+        </p:spPr>
+      </p:pic>
+      <p:sp>
+        <p:nvSpPr>
+          <p:cNvPr id="3" name="직사각형 2"/>
+          <p:cNvSpPr/>
+          <p:nvPr/>
+        </p:nvSpPr>
+        <p:spPr>
+          <a:xfrm>
+            <a:off x="3707904" y="3429000"/>
+            <a:ext cx="936104" cy="432048"/>
+          </a:xfrm>
+          <a:prstGeom prst="rect">
+            <a:avLst/>
+          </a:prstGeom>
+          <a:noFill/>
+          <a:ln>
+            <a:solidFill>
+              <a:srgbClr val="FF0000"/>
+            </a:solidFill>
+          </a:ln>
+        </p:spPr>
+        <p:style>
+          <a:lnRef idx="2">
+            <a:schemeClr val="accent1">
+              <a:shade val="50000"/>
+            </a:schemeClr>
+          </a:lnRef>
+          <a:fillRef idx="1">
+            <a:schemeClr val="accent1"/>
+          </a:fillRef>
+          <a:effectRef idx="0">
+            <a:schemeClr val="accent1"/>
+          </a:effectRef>
+          <a:fontRef idx="minor">
+            <a:schemeClr val="lt1"/>
+          </a:fontRef>
+        </p:style>
+        <p:txBody>
+          <a:bodyPr rtlCol="0" anchor="ctr"/>
+          <a:lstStyle/>
+          <a:p>
+            <a:pPr algn="ctr"/>
+            <a:endParaRPr lang="ko-KR" altLang="en-US"/>
+          </a:p>
+        </p:txBody>
+      </p:sp>
+    </p:spTree>
+    <p:extLst>
+      <p:ext uri="{BB962C8B-B14F-4D97-AF65-F5344CB8AC3E}">
+        <p14:creationId xmlns:p14="http://schemas.microsoft.com/office/powerpoint/2010/main" val="105228828"/>
+      </p:ext>
+    </p:extLst>
+  </p:cSld>
+  <p:clrMapOvr>
+    <a:masterClrMapping/>
+  </p:clrMapOvr>
+</p:sld>
+</file>
+
+<file path=ppt/slides/slide43.xml><?xml version="1.0" encoding="utf-8"?>
+<p:sld xmlns:a="http://schemas.openxmlformats.org/drawingml/2006/main" xmlns:r="http://schemas.openxmlformats.org/officeDocument/2006/relationships" xmlns:p="http://schemas.openxmlformats.org/presentationml/2006/main">
+  <p:cSld>
+    <p:spTree>
+      <p:nvGrpSpPr>
+        <p:cNvPr id="1" name=""/>
+        <p:cNvGrpSpPr/>
+        <p:nvPr/>
+      </p:nvGrpSpPr>
+      <p:grpSpPr>
+        <a:xfrm>
+          <a:off x="0" y="0"/>
+          <a:ext cx="0" cy="0"/>
+          <a:chOff x="0" y="0"/>
+          <a:chExt cx="0" cy="0"/>
+        </a:xfrm>
+      </p:grpSpPr>
+      <p:sp>
+        <p:nvSpPr>
+          <p:cNvPr id="2" name="직사각형 1"/>
+          <p:cNvSpPr/>
+          <p:nvPr/>
+        </p:nvSpPr>
+        <p:spPr>
+          <a:xfrm>
+            <a:off x="683568" y="1052736"/>
+            <a:ext cx="7632848" cy="830997"/>
+          </a:xfrm>
+          <a:prstGeom prst="rect">
+            <a:avLst/>
+          </a:prstGeom>
+        </p:spPr>
+        <p:txBody>
+          <a:bodyPr wrap="square">
+            <a:spAutoFit/>
+          </a:bodyPr>
+          <a:lstStyle/>
+          <a:p>
+            <a:r>
+              <a:rPr lang="en-US" altLang="ko-KR" sz="1200" dirty="0">
+                <a:latin typeface="Consolas" panose="020B0609020204030204" pitchFamily="49" charset="0"/>
+              </a:rPr>
+              <a:t> string </a:t>
+            </a:r>
+            <a:r>
+              <a:rPr lang="en-US" altLang="ko-KR" sz="1200" dirty="0" err="1">
+                <a:latin typeface="Consolas" panose="020B0609020204030204" pitchFamily="49" charset="0"/>
+              </a:rPr>
+              <a:t>userId</a:t>
+            </a:r>
+            <a:r>
+              <a:rPr lang="en-US" altLang="ko-KR" sz="1200" dirty="0">
+                <a:latin typeface="Consolas" panose="020B0609020204030204" pitchFamily="49" charset="0"/>
+              </a:rPr>
+              <a:t> = </a:t>
+            </a:r>
+            <a:r>
+              <a:rPr lang="en-US" altLang="ko-KR" sz="1200" dirty="0" err="1">
+                <a:latin typeface="Consolas" panose="020B0609020204030204" pitchFamily="49" charset="0"/>
+              </a:rPr>
+              <a:t>System.Guid.NewGuid</a:t>
+            </a:r>
+            <a:r>
+              <a:rPr lang="en-US" altLang="ko-KR" sz="1200" dirty="0">
+                <a:latin typeface="Consolas" panose="020B0609020204030204" pitchFamily="49" charset="0"/>
+              </a:rPr>
+              <a:t>().</a:t>
+            </a:r>
+            <a:r>
+              <a:rPr lang="en-US" altLang="ko-KR" sz="1200" dirty="0" err="1">
+                <a:latin typeface="Consolas" panose="020B0609020204030204" pitchFamily="49" charset="0"/>
+              </a:rPr>
+              <a:t>ToString</a:t>
+            </a:r>
+            <a:r>
+              <a:rPr lang="en-US" altLang="ko-KR" sz="1200" dirty="0">
+                <a:latin typeface="Consolas" panose="020B0609020204030204" pitchFamily="49" charset="0"/>
+              </a:rPr>
+              <a:t>();</a:t>
+            </a:r>
+          </a:p>
+          <a:p>
+            <a:r>
+              <a:rPr lang="en-US" altLang="ko-KR" sz="1200" dirty="0">
+                <a:latin typeface="Consolas" panose="020B0609020204030204" pitchFamily="49" charset="0"/>
+              </a:rPr>
+              <a:t>        string name = "</a:t>
+            </a:r>
+            <a:r>
+              <a:rPr lang="ko-KR" altLang="en-US" sz="1200" dirty="0">
+                <a:latin typeface="Consolas" panose="020B0609020204030204" pitchFamily="49" charset="0"/>
+              </a:rPr>
+              <a:t>임꺽정</a:t>
+            </a:r>
+            <a:r>
+              <a:rPr lang="en-US" altLang="ko-KR" sz="1200" dirty="0">
+                <a:latin typeface="Consolas" panose="020B0609020204030204" pitchFamily="49" charset="0"/>
+              </a:rPr>
+              <a:t>";</a:t>
+            </a:r>
+          </a:p>
+          <a:p>
+            <a:r>
+              <a:rPr lang="en-US" altLang="ko-KR" sz="1200" dirty="0">
+                <a:latin typeface="Consolas" panose="020B0609020204030204" pitchFamily="49" charset="0"/>
+              </a:rPr>
+              <a:t>        string email = "</a:t>
+            </a:r>
+            <a:r>
+              <a:rPr lang="en-US" altLang="ko-KR" sz="1200" dirty="0" err="1">
+                <a:latin typeface="Consolas" panose="020B0609020204030204" pitchFamily="49" charset="0"/>
+              </a:rPr>
+              <a:t>lim@gmail.com</a:t>
+            </a:r>
+            <a:r>
+              <a:rPr lang="en-US" altLang="ko-KR" sz="1200" dirty="0">
+                <a:latin typeface="Consolas" panose="020B0609020204030204" pitchFamily="49" charset="0"/>
+              </a:rPr>
+              <a:t>";</a:t>
+            </a:r>
+          </a:p>
+          <a:p>
+            <a:r>
+              <a:rPr lang="en-US" altLang="ko-KR" sz="1200" dirty="0">
+                <a:latin typeface="Consolas" panose="020B0609020204030204" pitchFamily="49" charset="0"/>
+              </a:rPr>
+              <a:t>        </a:t>
+            </a:r>
+            <a:r>
+              <a:rPr lang="en-US" altLang="ko-KR" sz="1200" dirty="0" err="1">
+                <a:latin typeface="Consolas" panose="020B0609020204030204" pitchFamily="49" charset="0"/>
+              </a:rPr>
+              <a:t>this.WriteNewUser</a:t>
+            </a:r>
+            <a:r>
+              <a:rPr lang="en-US" altLang="ko-KR" sz="1200" dirty="0">
+                <a:latin typeface="Consolas" panose="020B0609020204030204" pitchFamily="49" charset="0"/>
+              </a:rPr>
+              <a:t>(</a:t>
+            </a:r>
+            <a:r>
+              <a:rPr lang="en-US" altLang="ko-KR" sz="1200" dirty="0" err="1">
+                <a:latin typeface="Consolas" panose="020B0609020204030204" pitchFamily="49" charset="0"/>
+              </a:rPr>
+              <a:t>userId</a:t>
+            </a:r>
+            <a:r>
+              <a:rPr lang="en-US" altLang="ko-KR" sz="1200" dirty="0">
+                <a:latin typeface="Consolas" panose="020B0609020204030204" pitchFamily="49" charset="0"/>
+              </a:rPr>
+              <a:t>, name, email);</a:t>
+            </a:r>
+            <a:endParaRPr lang="ko-KR" altLang="en-US" sz="1200" dirty="0">
+              <a:latin typeface="Consolas" panose="020B0609020204030204" pitchFamily="49" charset="0"/>
+            </a:endParaRPr>
+          </a:p>
+        </p:txBody>
+      </p:sp>
+      <p:pic>
+        <p:nvPicPr>
+          <p:cNvPr id="3074" name="Picture 2" descr="C:\Users\smile\Desktop\Screen Shot 2021-02-04 at 오후 1.18.png"/>
+          <p:cNvPicPr>
+            <a:picLocks noChangeAspect="1" noChangeArrowheads="1"/>
+          </p:cNvPicPr>
+          <p:nvPr/>
+        </p:nvPicPr>
+        <p:blipFill>
+          <a:blip r:embed="rId2">
+            <a:extLst>
+              <a:ext uri="{28A0092B-C50C-407E-A947-70E740481C1C}">
+                <a14:useLocalDpi xmlns:a14="http://schemas.microsoft.com/office/drawing/2010/main" val="0"/>
+              </a:ext>
+            </a:extLst>
+          </a:blip>
+          <a:srcRect/>
+          <a:stretch>
+            <a:fillRect/>
+          </a:stretch>
+        </p:blipFill>
+        <p:spPr bwMode="auto">
+          <a:xfrm>
+            <a:off x="1763688" y="2492896"/>
+            <a:ext cx="5124450" cy="3400425"/>
+          </a:xfrm>
+          <a:prstGeom prst="rect">
+            <a:avLst/>
+          </a:prstGeom>
+          <a:noFill/>
+          <a:extLst>
+            <a:ext uri="{909E8E84-426E-40DD-AFC4-6F175D3DCCD1}">
+              <a14:hiddenFill xmlns:a14="http://schemas.microsoft.com/office/drawing/2010/main">
+                <a:solidFill>
+                  <a:srgbClr val="FFFFFF"/>
+                </a:solidFill>
+              </a14:hiddenFill>
+            </a:ext>
+          </a:extLst>
+        </p:spPr>
+      </p:pic>
+    </p:spTree>
+    <p:extLst>
+      <p:ext uri="{BB962C8B-B14F-4D97-AF65-F5344CB8AC3E}">
+        <p14:creationId xmlns:p14="http://schemas.microsoft.com/office/powerpoint/2010/main" val="477674515"/>
+      </p:ext>
+    </p:extLst>
+  </p:cSld>
+  <p:clrMapOvr>
+    <a:masterClrMapping/>
+  </p:clrMapOvr>
+</p:sld>
+</file>
+
+<file path=ppt/slides/slide44.xml><?xml version="1.0" encoding="utf-8"?>
+<p:sld xmlns:a="http://schemas.openxmlformats.org/drawingml/2006/main" xmlns:r="http://schemas.openxmlformats.org/officeDocument/2006/relationships" xmlns:p="http://schemas.openxmlformats.org/presentationml/2006/main">
+  <p:cSld>
+    <p:spTree>
+      <p:nvGrpSpPr>
+        <p:cNvPr id="1" name=""/>
+        <p:cNvGrpSpPr/>
+        <p:nvPr/>
+      </p:nvGrpSpPr>
+      <p:grpSpPr>
+        <a:xfrm>
+          <a:off x="0" y="0"/>
+          <a:ext cx="0" cy="0"/>
+          <a:chOff x="0" y="0"/>
+          <a:chExt cx="0" cy="0"/>
+        </a:xfrm>
+      </p:grpSpPr>
+      <p:sp>
+        <p:nvSpPr>
+          <p:cNvPr id="3" name="직사각형 2"/>
+          <p:cNvSpPr/>
+          <p:nvPr/>
+        </p:nvSpPr>
+        <p:spPr>
+          <a:xfrm>
+            <a:off x="683568" y="1052736"/>
+            <a:ext cx="7632848" cy="276999"/>
+          </a:xfrm>
+          <a:prstGeom prst="rect">
+            <a:avLst/>
+          </a:prstGeom>
+        </p:spPr>
+        <p:txBody>
+          <a:bodyPr wrap="square">
+            <a:spAutoFit/>
+          </a:bodyPr>
+          <a:lstStyle/>
+          <a:p>
+            <a:pPr algn="ctr"/>
+            <a:r>
+              <a:rPr lang="ko-KR" altLang="en-US" sz="1200" dirty="0" smtClean="0">
+                <a:latin typeface="Consolas" panose="020B0609020204030204" pitchFamily="49" charset="0"/>
+              </a:rPr>
+              <a:t>데이터를 다음과 같이 출력 하세요</a:t>
+            </a:r>
+            <a:r>
+              <a:rPr lang="en-US" altLang="ko-KR" sz="1200" dirty="0" smtClean="0">
+                <a:latin typeface="Consolas" panose="020B0609020204030204" pitchFamily="49" charset="0"/>
+              </a:rPr>
+              <a:t>.</a:t>
+            </a:r>
+            <a:endParaRPr lang="ko-KR" altLang="en-US" sz="1200" dirty="0">
+              <a:latin typeface="Consolas" panose="020B0609020204030204" pitchFamily="49" charset="0"/>
+            </a:endParaRPr>
+          </a:p>
+        </p:txBody>
+      </p:sp>
+      <p:pic>
+        <p:nvPicPr>
+          <p:cNvPr id="4" name="Picture 2" descr="C:\Users\smile\Desktop\Screen Shot 2021-02-04 at 오후 2.33.png"/>
+          <p:cNvPicPr>
+            <a:picLocks noChangeAspect="1" noChangeArrowheads="1"/>
+          </p:cNvPicPr>
+          <p:nvPr/>
+        </p:nvPicPr>
+        <p:blipFill>
+          <a:blip r:embed="rId2">
+            <a:extLst>
+              <a:ext uri="{28A0092B-C50C-407E-A947-70E740481C1C}">
+                <a14:useLocalDpi xmlns:a14="http://schemas.microsoft.com/office/drawing/2010/main" val="0"/>
+              </a:ext>
+            </a:extLst>
+          </a:blip>
+          <a:srcRect/>
+          <a:stretch>
+            <a:fillRect/>
+          </a:stretch>
+        </p:blipFill>
+        <p:spPr bwMode="auto">
+          <a:xfrm>
+            <a:off x="575147" y="1556792"/>
+            <a:ext cx="7849690" cy="3816424"/>
+          </a:xfrm>
+          <a:prstGeom prst="rect">
+            <a:avLst/>
+          </a:prstGeom>
+          <a:noFill/>
+          <a:extLst>
+            <a:ext uri="{909E8E84-426E-40DD-AFC4-6F175D3DCCD1}">
+              <a14:hiddenFill xmlns:a14="http://schemas.microsoft.com/office/drawing/2010/main">
+                <a:solidFill>
+                  <a:srgbClr val="FFFFFF"/>
+                </a:solidFill>
+              </a14:hiddenFill>
+            </a:ext>
+          </a:extLst>
+        </p:spPr>
+      </p:pic>
+    </p:spTree>
+    <p:extLst>
+      <p:ext uri="{BB962C8B-B14F-4D97-AF65-F5344CB8AC3E}">
+        <p14:creationId xmlns:p14="http://schemas.microsoft.com/office/powerpoint/2010/main" val="1959514303"/>
+      </p:ext>
+    </p:extLst>
+  </p:cSld>
+  <p:clrMapOvr>
+    <a:masterClrMapping/>
+  </p:clrMapOvr>
+</p:sld>
+</file>
+
+<file path=ppt/slides/slide45.xml><?xml version="1.0" encoding="utf-8"?>
+<p:sld xmlns:a="http://schemas.openxmlformats.org/drawingml/2006/main" xmlns:r="http://schemas.openxmlformats.org/officeDocument/2006/relationships" xmlns:p="http://schemas.openxmlformats.org/presentationml/2006/main">
+  <p:cSld>
+    <p:spTree>
+      <p:nvGrpSpPr>
+        <p:cNvPr id="1" name=""/>
+        <p:cNvGrpSpPr/>
+        <p:nvPr/>
+      </p:nvGrpSpPr>
+      <p:grpSpPr>
+        <a:xfrm>
+          <a:off x="0" y="0"/>
+          <a:ext cx="0" cy="0"/>
+          <a:chOff x="0" y="0"/>
+          <a:chExt cx="0" cy="0"/>
+        </a:xfrm>
+      </p:grpSpPr>
+      <p:sp>
+        <p:nvSpPr>
+          <p:cNvPr id="3" name="직사각형 2"/>
+          <p:cNvSpPr/>
+          <p:nvPr/>
+        </p:nvSpPr>
+        <p:spPr>
+          <a:xfrm>
+            <a:off x="251520" y="764704"/>
+            <a:ext cx="8712968" cy="5001369"/>
+          </a:xfrm>
+          <a:prstGeom prst="rect">
+            <a:avLst/>
+          </a:prstGeom>
+        </p:spPr>
+        <p:txBody>
+          <a:bodyPr wrap="square">
+            <a:spAutoFit/>
+          </a:bodyPr>
+          <a:lstStyle/>
+          <a:p>
+            <a:r>
+              <a:rPr lang="en-US" altLang="ko-KR" sz="1100" dirty="0">
+                <a:latin typeface="Consolas" panose="020B0609020204030204" pitchFamily="49" charset="0"/>
+              </a:rPr>
+              <a:t>public void </a:t>
+            </a:r>
+            <a:r>
+              <a:rPr lang="en-US" altLang="ko-KR" sz="1100" dirty="0" err="1">
+                <a:latin typeface="Consolas" panose="020B0609020204030204" pitchFamily="49" charset="0"/>
+              </a:rPr>
+              <a:t>GetValueAsync</a:t>
+            </a:r>
+            <a:r>
+              <a:rPr lang="en-US" altLang="ko-KR" sz="1100" dirty="0">
+                <a:latin typeface="Consolas" panose="020B0609020204030204" pitchFamily="49" charset="0"/>
+              </a:rPr>
+              <a:t>()</a:t>
+            </a:r>
+          </a:p>
+          <a:p>
+            <a:r>
+              <a:rPr lang="ko-KR" altLang="en-US" sz="1100" dirty="0">
+                <a:latin typeface="Consolas" panose="020B0609020204030204" pitchFamily="49" charset="0"/>
+              </a:rPr>
+              <a:t>    </a:t>
+            </a:r>
+            <a:r>
+              <a:rPr lang="en-US" altLang="ko-KR" sz="1100" dirty="0">
+                <a:latin typeface="Consolas" panose="020B0609020204030204" pitchFamily="49" charset="0"/>
+              </a:rPr>
+              <a:t>{</a:t>
+            </a:r>
+          </a:p>
+          <a:p>
+            <a:r>
+              <a:rPr lang="en-US" altLang="ko-KR" sz="1100" dirty="0">
+                <a:latin typeface="Consolas" panose="020B0609020204030204" pitchFamily="49" charset="0"/>
+              </a:rPr>
+              <a:t>        </a:t>
+            </a:r>
+            <a:r>
+              <a:rPr lang="en-US" altLang="ko-KR" sz="1100" dirty="0" err="1">
+                <a:latin typeface="Consolas" panose="020B0609020204030204" pitchFamily="49" charset="0"/>
+              </a:rPr>
+              <a:t>FirebaseDatabase.DefaultInstance.GetReference</a:t>
+            </a:r>
+            <a:r>
+              <a:rPr lang="en-US" altLang="ko-KR" sz="1100" dirty="0">
+                <a:latin typeface="Consolas" panose="020B0609020204030204" pitchFamily="49" charset="0"/>
+              </a:rPr>
+              <a:t>("users").</a:t>
+            </a:r>
+            <a:r>
+              <a:rPr lang="en-US" altLang="ko-KR" sz="1100" dirty="0" err="1">
+                <a:latin typeface="Consolas" panose="020B0609020204030204" pitchFamily="49" charset="0"/>
+              </a:rPr>
+              <a:t>GetValueAsync</a:t>
+            </a:r>
+            <a:r>
+              <a:rPr lang="en-US" altLang="ko-KR" sz="1100" dirty="0">
+                <a:latin typeface="Consolas" panose="020B0609020204030204" pitchFamily="49" charset="0"/>
+              </a:rPr>
+              <a:t>().</a:t>
+            </a:r>
+            <a:r>
+              <a:rPr lang="en-US" altLang="ko-KR" sz="1100" dirty="0" err="1">
+                <a:latin typeface="Consolas" panose="020B0609020204030204" pitchFamily="49" charset="0"/>
+              </a:rPr>
+              <a:t>ContinueWith</a:t>
+            </a:r>
+            <a:r>
+              <a:rPr lang="en-US" altLang="ko-KR" sz="1100" dirty="0">
+                <a:latin typeface="Consolas" panose="020B0609020204030204" pitchFamily="49" charset="0"/>
+              </a:rPr>
+              <a:t>(task =&gt;</a:t>
+            </a:r>
+          </a:p>
+          <a:p>
+            <a:r>
+              <a:rPr lang="ko-KR" altLang="en-US" sz="1100" dirty="0">
+                <a:latin typeface="Consolas" panose="020B0609020204030204" pitchFamily="49" charset="0"/>
+              </a:rPr>
+              <a:t>        </a:t>
+            </a:r>
+            <a:r>
+              <a:rPr lang="en-US" altLang="ko-KR" sz="1100" dirty="0">
+                <a:latin typeface="Consolas" panose="020B0609020204030204" pitchFamily="49" charset="0"/>
+              </a:rPr>
+              <a:t>{</a:t>
+            </a:r>
+          </a:p>
+          <a:p>
+            <a:r>
+              <a:rPr lang="en-US" altLang="ko-KR" sz="1100" dirty="0">
+                <a:latin typeface="Consolas" panose="020B0609020204030204" pitchFamily="49" charset="0"/>
+              </a:rPr>
+              <a:t>            </a:t>
+            </a:r>
+            <a:r>
+              <a:rPr lang="en-US" altLang="ko-KR" sz="1100" dirty="0" err="1">
+                <a:latin typeface="Consolas" panose="020B0609020204030204" pitchFamily="49" charset="0"/>
+              </a:rPr>
+              <a:t>Debug.Log</a:t>
+            </a:r>
+            <a:r>
+              <a:rPr lang="en-US" altLang="ko-KR" sz="1100" dirty="0">
+                <a:latin typeface="Consolas" panose="020B0609020204030204" pitchFamily="49" charset="0"/>
+              </a:rPr>
+              <a:t>(</a:t>
+            </a:r>
+            <a:r>
+              <a:rPr lang="en-US" altLang="ko-KR" sz="1100" dirty="0" err="1">
+                <a:latin typeface="Consolas" panose="020B0609020204030204" pitchFamily="49" charset="0"/>
+              </a:rPr>
+              <a:t>task.Status</a:t>
+            </a:r>
+            <a:r>
+              <a:rPr lang="en-US" altLang="ko-KR" sz="1100" dirty="0">
+                <a:latin typeface="Consolas" panose="020B0609020204030204" pitchFamily="49" charset="0"/>
+              </a:rPr>
+              <a:t>);</a:t>
+            </a:r>
+          </a:p>
+          <a:p>
+            <a:endParaRPr lang="ko-KR" altLang="en-US" sz="1100" dirty="0">
+              <a:latin typeface="Consolas" panose="020B0609020204030204" pitchFamily="49" charset="0"/>
+            </a:endParaRPr>
+          </a:p>
+          <a:p>
+            <a:r>
+              <a:rPr lang="en-US" altLang="ko-KR" sz="1100" dirty="0">
+                <a:latin typeface="Consolas" panose="020B0609020204030204" pitchFamily="49" charset="0"/>
+              </a:rPr>
+              <a:t>            if (</a:t>
+            </a:r>
+            <a:r>
+              <a:rPr lang="en-US" altLang="ko-KR" sz="1100" dirty="0" err="1">
+                <a:latin typeface="Consolas" panose="020B0609020204030204" pitchFamily="49" charset="0"/>
+              </a:rPr>
+              <a:t>task.IsFaulted</a:t>
+            </a:r>
+            <a:r>
+              <a:rPr lang="en-US" altLang="ko-KR" sz="1100" dirty="0">
+                <a:latin typeface="Consolas" panose="020B0609020204030204" pitchFamily="49" charset="0"/>
+              </a:rPr>
+              <a:t>)</a:t>
+            </a:r>
+          </a:p>
+          <a:p>
+            <a:r>
+              <a:rPr lang="ko-KR" altLang="en-US" sz="1100" dirty="0">
+                <a:latin typeface="Consolas" panose="020B0609020204030204" pitchFamily="49" charset="0"/>
+              </a:rPr>
+              <a:t>            </a:t>
+            </a:r>
+            <a:r>
+              <a:rPr lang="en-US" altLang="ko-KR" sz="1100" dirty="0">
+                <a:latin typeface="Consolas" panose="020B0609020204030204" pitchFamily="49" charset="0"/>
+              </a:rPr>
+              <a:t>{</a:t>
+            </a:r>
+          </a:p>
+          <a:p>
+            <a:r>
+              <a:rPr lang="en-US" altLang="ko-KR" sz="1100" dirty="0">
+                <a:latin typeface="Consolas" panose="020B0609020204030204" pitchFamily="49" charset="0"/>
+              </a:rPr>
+              <a:t>                // Handle the error...</a:t>
+            </a:r>
+          </a:p>
+          <a:p>
+            <a:r>
+              <a:rPr lang="ko-KR" altLang="en-US" sz="1100" dirty="0">
+                <a:latin typeface="Consolas" panose="020B0609020204030204" pitchFamily="49" charset="0"/>
+              </a:rPr>
+              <a:t>            </a:t>
+            </a:r>
+            <a:r>
+              <a:rPr lang="en-US" altLang="ko-KR" sz="1100" dirty="0">
+                <a:latin typeface="Consolas" panose="020B0609020204030204" pitchFamily="49" charset="0"/>
+              </a:rPr>
+              <a:t>}</a:t>
+            </a:r>
+          </a:p>
+          <a:p>
+            <a:r>
+              <a:rPr lang="en-US" altLang="ko-KR" sz="1100" dirty="0">
+                <a:latin typeface="Consolas" panose="020B0609020204030204" pitchFamily="49" charset="0"/>
+              </a:rPr>
+              <a:t>            else if (</a:t>
+            </a:r>
+            <a:r>
+              <a:rPr lang="en-US" altLang="ko-KR" sz="1100" dirty="0" err="1">
+                <a:latin typeface="Consolas" panose="020B0609020204030204" pitchFamily="49" charset="0"/>
+              </a:rPr>
+              <a:t>task.IsCompleted</a:t>
+            </a:r>
+            <a:r>
+              <a:rPr lang="en-US" altLang="ko-KR" sz="1100" dirty="0">
+                <a:latin typeface="Consolas" panose="020B0609020204030204" pitchFamily="49" charset="0"/>
+              </a:rPr>
+              <a:t>)</a:t>
+            </a:r>
+          </a:p>
+          <a:p>
+            <a:r>
+              <a:rPr lang="ko-KR" altLang="en-US" sz="1100" dirty="0">
+                <a:latin typeface="Consolas" panose="020B0609020204030204" pitchFamily="49" charset="0"/>
+              </a:rPr>
+              <a:t>            </a:t>
+            </a:r>
+            <a:r>
+              <a:rPr lang="en-US" altLang="ko-KR" sz="1100" dirty="0">
+                <a:latin typeface="Consolas" panose="020B0609020204030204" pitchFamily="49" charset="0"/>
+              </a:rPr>
+              <a:t>{</a:t>
+            </a:r>
+          </a:p>
+          <a:p>
+            <a:r>
+              <a:rPr lang="en-US" altLang="ko-KR" sz="1100" dirty="0">
+                <a:latin typeface="Consolas" panose="020B0609020204030204" pitchFamily="49" charset="0"/>
+              </a:rPr>
+              <a:t>                </a:t>
+            </a:r>
+            <a:r>
+              <a:rPr lang="en-US" altLang="ko-KR" sz="1100" dirty="0" err="1">
+                <a:latin typeface="Consolas" panose="020B0609020204030204" pitchFamily="49" charset="0"/>
+              </a:rPr>
+              <a:t>DataSnapshot</a:t>
+            </a:r>
+            <a:r>
+              <a:rPr lang="en-US" altLang="ko-KR" sz="1100" dirty="0">
+                <a:latin typeface="Consolas" panose="020B0609020204030204" pitchFamily="49" charset="0"/>
+              </a:rPr>
+              <a:t> snapshot = </a:t>
+            </a:r>
+            <a:r>
+              <a:rPr lang="en-US" altLang="ko-KR" sz="1100" dirty="0" err="1">
+                <a:latin typeface="Consolas" panose="020B0609020204030204" pitchFamily="49" charset="0"/>
+              </a:rPr>
+              <a:t>task.Result</a:t>
+            </a:r>
+            <a:r>
+              <a:rPr lang="en-US" altLang="ko-KR" sz="1100" dirty="0">
+                <a:latin typeface="Consolas" panose="020B0609020204030204" pitchFamily="49" charset="0"/>
+              </a:rPr>
+              <a:t>;</a:t>
+            </a:r>
+          </a:p>
+          <a:p>
+            <a:r>
+              <a:rPr lang="en-US" altLang="ko-KR" sz="1100" dirty="0">
+                <a:latin typeface="Consolas" panose="020B0609020204030204" pitchFamily="49" charset="0"/>
+              </a:rPr>
+              <a:t>                // Do something with snapshot...</a:t>
+            </a:r>
+          </a:p>
+          <a:p>
+            <a:endParaRPr lang="ko-KR" altLang="en-US" sz="1100" dirty="0">
+              <a:latin typeface="Consolas" panose="020B0609020204030204" pitchFamily="49" charset="0"/>
+            </a:endParaRPr>
+          </a:p>
+          <a:p>
+            <a:r>
+              <a:rPr lang="en-US" altLang="ko-KR" sz="1100" dirty="0">
+                <a:latin typeface="Consolas" panose="020B0609020204030204" pitchFamily="49" charset="0"/>
+              </a:rPr>
+              <a:t>                </a:t>
+            </a:r>
+            <a:r>
+              <a:rPr lang="en-US" altLang="ko-KR" sz="1100" dirty="0" err="1">
+                <a:latin typeface="Consolas" panose="020B0609020204030204" pitchFamily="49" charset="0"/>
+              </a:rPr>
+              <a:t>var</a:t>
+            </a:r>
+            <a:r>
+              <a:rPr lang="en-US" altLang="ko-KR" sz="1100" dirty="0">
+                <a:latin typeface="Consolas" panose="020B0609020204030204" pitchFamily="49" charset="0"/>
+              </a:rPr>
+              <a:t> </a:t>
+            </a:r>
+            <a:r>
+              <a:rPr lang="en-US" altLang="ko-KR" sz="1100" dirty="0" err="1">
+                <a:latin typeface="Consolas" panose="020B0609020204030204" pitchFamily="49" charset="0"/>
+              </a:rPr>
+              <a:t>json</a:t>
+            </a:r>
+            <a:r>
+              <a:rPr lang="en-US" altLang="ko-KR" sz="1100" dirty="0">
+                <a:latin typeface="Consolas" panose="020B0609020204030204" pitchFamily="49" charset="0"/>
+              </a:rPr>
+              <a:t> = </a:t>
+            </a:r>
+            <a:r>
+              <a:rPr lang="en-US" altLang="ko-KR" sz="1100" dirty="0" err="1">
+                <a:latin typeface="Consolas" panose="020B0609020204030204" pitchFamily="49" charset="0"/>
+              </a:rPr>
+              <a:t>snapshot.GetRawJsonValue</a:t>
+            </a:r>
+            <a:r>
+              <a:rPr lang="en-US" altLang="ko-KR" sz="1100" dirty="0">
+                <a:latin typeface="Consolas" panose="020B0609020204030204" pitchFamily="49" charset="0"/>
+              </a:rPr>
+              <a:t>();</a:t>
+            </a:r>
+          </a:p>
+          <a:p>
+            <a:r>
+              <a:rPr lang="en-US" altLang="ko-KR" sz="1100" dirty="0">
+                <a:latin typeface="Consolas" panose="020B0609020204030204" pitchFamily="49" charset="0"/>
+              </a:rPr>
+              <a:t>                </a:t>
+            </a:r>
+            <a:r>
+              <a:rPr lang="en-US" altLang="ko-KR" sz="1100" dirty="0" err="1">
+                <a:latin typeface="Consolas" panose="020B0609020204030204" pitchFamily="49" charset="0"/>
+              </a:rPr>
+              <a:t>Debug.Log</a:t>
+            </a:r>
+            <a:r>
+              <a:rPr lang="en-US" altLang="ko-KR" sz="1100" dirty="0">
+                <a:latin typeface="Consolas" panose="020B0609020204030204" pitchFamily="49" charset="0"/>
+              </a:rPr>
+              <a:t>(</a:t>
+            </a:r>
+            <a:r>
+              <a:rPr lang="en-US" altLang="ko-KR" sz="1100" dirty="0" err="1">
+                <a:latin typeface="Consolas" panose="020B0609020204030204" pitchFamily="49" charset="0"/>
+              </a:rPr>
+              <a:t>json</a:t>
+            </a:r>
+            <a:r>
+              <a:rPr lang="en-US" altLang="ko-KR" sz="1100" dirty="0">
+                <a:latin typeface="Consolas" panose="020B0609020204030204" pitchFamily="49" charset="0"/>
+              </a:rPr>
+              <a:t>);</a:t>
+            </a:r>
+          </a:p>
+          <a:p>
+            <a:endParaRPr lang="ko-KR" altLang="en-US" sz="1100" dirty="0">
+              <a:latin typeface="Consolas" panose="020B0609020204030204" pitchFamily="49" charset="0"/>
+            </a:endParaRPr>
+          </a:p>
+          <a:p>
+            <a:r>
+              <a:rPr lang="en-US" altLang="ko-KR" sz="1100" dirty="0">
+                <a:latin typeface="Consolas" panose="020B0609020204030204" pitchFamily="49" charset="0"/>
+              </a:rPr>
+              <a:t>                </a:t>
+            </a:r>
+            <a:r>
+              <a:rPr lang="en-US" altLang="ko-KR" sz="1100" dirty="0" err="1">
+                <a:latin typeface="Consolas" panose="020B0609020204030204" pitchFamily="49" charset="0"/>
+              </a:rPr>
+              <a:t>var</a:t>
+            </a:r>
+            <a:r>
+              <a:rPr lang="en-US" altLang="ko-KR" sz="1100" dirty="0">
+                <a:latin typeface="Consolas" panose="020B0609020204030204" pitchFamily="49" charset="0"/>
+              </a:rPr>
+              <a:t> children = </a:t>
+            </a:r>
+            <a:r>
+              <a:rPr lang="en-US" altLang="ko-KR" sz="1100" dirty="0" err="1">
+                <a:latin typeface="Consolas" panose="020B0609020204030204" pitchFamily="49" charset="0"/>
+              </a:rPr>
+              <a:t>snapshot.Children</a:t>
+            </a:r>
+            <a:r>
+              <a:rPr lang="en-US" altLang="ko-KR" sz="1100" dirty="0">
+                <a:latin typeface="Consolas" panose="020B0609020204030204" pitchFamily="49" charset="0"/>
+              </a:rPr>
+              <a:t>;</a:t>
+            </a:r>
+          </a:p>
+          <a:p>
+            <a:r>
+              <a:rPr lang="en-US" altLang="ko-KR" sz="1100" dirty="0">
+                <a:latin typeface="Consolas" panose="020B0609020204030204" pitchFamily="49" charset="0"/>
+              </a:rPr>
+              <a:t>                </a:t>
+            </a:r>
+            <a:r>
+              <a:rPr lang="en-US" altLang="ko-KR" sz="1100" dirty="0" err="1">
+                <a:latin typeface="Consolas" panose="020B0609020204030204" pitchFamily="49" charset="0"/>
+              </a:rPr>
+              <a:t>var</a:t>
+            </a:r>
+            <a:r>
+              <a:rPr lang="en-US" altLang="ko-KR" sz="1100" dirty="0">
+                <a:latin typeface="Consolas" panose="020B0609020204030204" pitchFamily="49" charset="0"/>
+              </a:rPr>
+              <a:t> enumerator = </a:t>
+            </a:r>
+            <a:r>
+              <a:rPr lang="en-US" altLang="ko-KR" sz="1100" dirty="0" err="1">
+                <a:latin typeface="Consolas" panose="020B0609020204030204" pitchFamily="49" charset="0"/>
+              </a:rPr>
+              <a:t>children.GetEnumerator</a:t>
+            </a:r>
+            <a:r>
+              <a:rPr lang="en-US" altLang="ko-KR" sz="1100" dirty="0">
+                <a:latin typeface="Consolas" panose="020B0609020204030204" pitchFamily="49" charset="0"/>
+              </a:rPr>
+              <a:t>();</a:t>
+            </a:r>
+          </a:p>
+          <a:p>
+            <a:r>
+              <a:rPr lang="en-US" altLang="ko-KR" sz="1100" dirty="0">
+                <a:latin typeface="Consolas" panose="020B0609020204030204" pitchFamily="49" charset="0"/>
+              </a:rPr>
+              <a:t>                while (</a:t>
+            </a:r>
+            <a:r>
+              <a:rPr lang="en-US" altLang="ko-KR" sz="1100" dirty="0" err="1">
+                <a:latin typeface="Consolas" panose="020B0609020204030204" pitchFamily="49" charset="0"/>
+              </a:rPr>
+              <a:t>enumerator.MoveNext</a:t>
+            </a:r>
+            <a:r>
+              <a:rPr lang="en-US" altLang="ko-KR" sz="1100" dirty="0">
+                <a:latin typeface="Consolas" panose="020B0609020204030204" pitchFamily="49" charset="0"/>
+              </a:rPr>
+              <a:t>()) {</a:t>
+            </a:r>
+          </a:p>
+          <a:p>
+            <a:r>
+              <a:rPr lang="en-US" altLang="ko-KR" sz="1100" dirty="0">
+                <a:latin typeface="Consolas" panose="020B0609020204030204" pitchFamily="49" charset="0"/>
+              </a:rPr>
+              <a:t>                    </a:t>
+            </a:r>
+            <a:r>
+              <a:rPr lang="en-US" altLang="ko-KR" sz="1100" dirty="0" err="1">
+                <a:latin typeface="Consolas" panose="020B0609020204030204" pitchFamily="49" charset="0"/>
+              </a:rPr>
+              <a:t>var</a:t>
+            </a:r>
+            <a:r>
+              <a:rPr lang="en-US" altLang="ko-KR" sz="1100" dirty="0">
+                <a:latin typeface="Consolas" panose="020B0609020204030204" pitchFamily="49" charset="0"/>
+              </a:rPr>
+              <a:t> user = </a:t>
+            </a:r>
+            <a:r>
+              <a:rPr lang="en-US" altLang="ko-KR" sz="1100" dirty="0" err="1">
+                <a:latin typeface="Consolas" panose="020B0609020204030204" pitchFamily="49" charset="0"/>
+              </a:rPr>
+              <a:t>JsonConvert.DeserializeObject</a:t>
+            </a:r>
+            <a:r>
+              <a:rPr lang="en-US" altLang="ko-KR" sz="1100" dirty="0">
+                <a:latin typeface="Consolas" panose="020B0609020204030204" pitchFamily="49" charset="0"/>
+              </a:rPr>
+              <a:t>&lt;User&gt;(</a:t>
+            </a:r>
+            <a:r>
+              <a:rPr lang="en-US" altLang="ko-KR" sz="1100" dirty="0" err="1">
+                <a:latin typeface="Consolas" panose="020B0609020204030204" pitchFamily="49" charset="0"/>
+              </a:rPr>
+              <a:t>enumerator.Current.GetRawJsonValue</a:t>
+            </a:r>
+            <a:r>
+              <a:rPr lang="en-US" altLang="ko-KR" sz="1100" dirty="0">
+                <a:latin typeface="Consolas" panose="020B0609020204030204" pitchFamily="49" charset="0"/>
+              </a:rPr>
+              <a:t>());</a:t>
+            </a:r>
+          </a:p>
+          <a:p>
+            <a:r>
+              <a:rPr lang="en-US" altLang="ko-KR" sz="1100" dirty="0">
+                <a:latin typeface="Consolas" panose="020B0609020204030204" pitchFamily="49" charset="0"/>
+              </a:rPr>
+              <a:t>                    </a:t>
+            </a:r>
+            <a:r>
+              <a:rPr lang="en-US" altLang="ko-KR" sz="1100" dirty="0" err="1">
+                <a:latin typeface="Consolas" panose="020B0609020204030204" pitchFamily="49" charset="0"/>
+              </a:rPr>
+              <a:t>var</a:t>
+            </a:r>
+            <a:r>
+              <a:rPr lang="en-US" altLang="ko-KR" sz="1100" dirty="0">
+                <a:latin typeface="Consolas" panose="020B0609020204030204" pitchFamily="49" charset="0"/>
+              </a:rPr>
+              <a:t> </a:t>
+            </a:r>
+            <a:r>
+              <a:rPr lang="en-US" altLang="ko-KR" sz="1100" dirty="0" err="1">
+                <a:latin typeface="Consolas" panose="020B0609020204030204" pitchFamily="49" charset="0"/>
+              </a:rPr>
+              <a:t>userId</a:t>
+            </a:r>
+            <a:r>
+              <a:rPr lang="en-US" altLang="ko-KR" sz="1100" dirty="0">
+                <a:latin typeface="Consolas" panose="020B0609020204030204" pitchFamily="49" charset="0"/>
+              </a:rPr>
+              <a:t> = </a:t>
+            </a:r>
+            <a:r>
+              <a:rPr lang="en-US" altLang="ko-KR" sz="1100" dirty="0" err="1">
+                <a:latin typeface="Consolas" panose="020B0609020204030204" pitchFamily="49" charset="0"/>
+              </a:rPr>
+              <a:t>enumerator.Current.Key</a:t>
+            </a:r>
+            <a:r>
+              <a:rPr lang="en-US" altLang="ko-KR" sz="1100" dirty="0">
+                <a:latin typeface="Consolas" panose="020B0609020204030204" pitchFamily="49" charset="0"/>
+              </a:rPr>
+              <a:t>;</a:t>
+            </a:r>
+          </a:p>
+          <a:p>
+            <a:r>
+              <a:rPr lang="en-US" altLang="ko-KR" sz="1100" dirty="0">
+                <a:latin typeface="Consolas" panose="020B0609020204030204" pitchFamily="49" charset="0"/>
+              </a:rPr>
+              <a:t>                    </a:t>
+            </a:r>
+            <a:r>
+              <a:rPr lang="en-US" altLang="ko-KR" sz="1100" dirty="0" err="1">
+                <a:latin typeface="Consolas" panose="020B0609020204030204" pitchFamily="49" charset="0"/>
+              </a:rPr>
+              <a:t>Debug.LogFormat</a:t>
+            </a:r>
+            <a:r>
+              <a:rPr lang="en-US" altLang="ko-KR" sz="1100" dirty="0">
+                <a:latin typeface="Consolas" panose="020B0609020204030204" pitchFamily="49" charset="0"/>
+              </a:rPr>
+              <a:t>("{0} {1} {2}", </a:t>
+            </a:r>
+            <a:r>
+              <a:rPr lang="en-US" altLang="ko-KR" sz="1100" dirty="0" err="1">
+                <a:latin typeface="Consolas" panose="020B0609020204030204" pitchFamily="49" charset="0"/>
+              </a:rPr>
+              <a:t>userId</a:t>
+            </a:r>
+            <a:r>
+              <a:rPr lang="en-US" altLang="ko-KR" sz="1100" dirty="0">
+                <a:latin typeface="Consolas" panose="020B0609020204030204" pitchFamily="49" charset="0"/>
+              </a:rPr>
+              <a:t>, </a:t>
+            </a:r>
+            <a:r>
+              <a:rPr lang="en-US" altLang="ko-KR" sz="1100" dirty="0" err="1">
+                <a:latin typeface="Consolas" panose="020B0609020204030204" pitchFamily="49" charset="0"/>
+              </a:rPr>
+              <a:t>user.username</a:t>
+            </a:r>
+            <a:r>
+              <a:rPr lang="en-US" altLang="ko-KR" sz="1100" dirty="0">
+                <a:latin typeface="Consolas" panose="020B0609020204030204" pitchFamily="49" charset="0"/>
+              </a:rPr>
+              <a:t>, </a:t>
+            </a:r>
+            <a:r>
+              <a:rPr lang="en-US" altLang="ko-KR" sz="1100" dirty="0" err="1">
+                <a:latin typeface="Consolas" panose="020B0609020204030204" pitchFamily="49" charset="0"/>
+              </a:rPr>
+              <a:t>user.email</a:t>
+            </a:r>
+            <a:r>
+              <a:rPr lang="en-US" altLang="ko-KR" sz="1100" dirty="0">
+                <a:latin typeface="Consolas" panose="020B0609020204030204" pitchFamily="49" charset="0"/>
+              </a:rPr>
+              <a:t>);</a:t>
+            </a:r>
+          </a:p>
+          <a:p>
+            <a:r>
+              <a:rPr lang="ko-KR" altLang="en-US" sz="1100" dirty="0">
+                <a:latin typeface="Consolas" panose="020B0609020204030204" pitchFamily="49" charset="0"/>
+              </a:rPr>
+              <a:t>                </a:t>
+            </a:r>
+            <a:r>
+              <a:rPr lang="en-US" altLang="ko-KR" sz="1100" dirty="0">
+                <a:latin typeface="Consolas" panose="020B0609020204030204" pitchFamily="49" charset="0"/>
+              </a:rPr>
+              <a:t>}</a:t>
+            </a:r>
+          </a:p>
+          <a:p>
+            <a:endParaRPr lang="ko-KR" altLang="en-US" sz="1100" dirty="0">
+              <a:latin typeface="Consolas" panose="020B0609020204030204" pitchFamily="49" charset="0"/>
+            </a:endParaRPr>
+          </a:p>
+          <a:p>
+            <a:r>
+              <a:rPr lang="ko-KR" altLang="en-US" sz="1100" dirty="0">
+                <a:latin typeface="Consolas" panose="020B0609020204030204" pitchFamily="49" charset="0"/>
+              </a:rPr>
+              <a:t>            </a:t>
+            </a:r>
+            <a:r>
+              <a:rPr lang="en-US" altLang="ko-KR" sz="1100" dirty="0">
+                <a:latin typeface="Consolas" panose="020B0609020204030204" pitchFamily="49" charset="0"/>
+              </a:rPr>
+              <a:t>}</a:t>
+            </a:r>
+          </a:p>
+          <a:p>
+            <a:r>
+              <a:rPr lang="ko-KR" altLang="en-US" sz="1100" dirty="0">
+                <a:latin typeface="Consolas" panose="020B0609020204030204" pitchFamily="49" charset="0"/>
+              </a:rPr>
+              <a:t>        </a:t>
+            </a:r>
+            <a:r>
+              <a:rPr lang="en-US" altLang="ko-KR" sz="1100" dirty="0">
+                <a:latin typeface="Consolas" panose="020B0609020204030204" pitchFamily="49" charset="0"/>
+              </a:rPr>
+              <a:t>});</a:t>
+            </a:r>
+          </a:p>
+          <a:p>
+            <a:r>
+              <a:rPr lang="ko-KR" altLang="en-US" sz="1100" dirty="0">
+                <a:latin typeface="Consolas" panose="020B0609020204030204" pitchFamily="49" charset="0"/>
+              </a:rPr>
+              <a:t>    </a:t>
+            </a:r>
+            <a:r>
+              <a:rPr lang="en-US" altLang="ko-KR" sz="1100" dirty="0">
+                <a:latin typeface="Consolas" panose="020B0609020204030204" pitchFamily="49" charset="0"/>
+              </a:rPr>
+              <a:t>}</a:t>
+            </a:r>
+            <a:endParaRPr lang="ko-KR" altLang="en-US" sz="1100" dirty="0">
+              <a:latin typeface="Consolas" panose="020B0609020204030204" pitchFamily="49" charset="0"/>
+            </a:endParaRPr>
+          </a:p>
+        </p:txBody>
+      </p:sp>
+    </p:spTree>
+    <p:extLst>
+      <p:ext uri="{BB962C8B-B14F-4D97-AF65-F5344CB8AC3E}">
+        <p14:creationId xmlns:p14="http://schemas.microsoft.com/office/powerpoint/2010/main" val="2942854666"/>
+      </p:ext>
+    </p:extLst>
+  </p:cSld>
+  <p:clrMapOvr>
+    <a:masterClrMapping/>
+  </p:clrMapOvr>
+</p:sld>
+</file>
+
+<file path=ppt/slides/slide46.xml><?xml version="1.0" encoding="utf-8"?>
+<p:sld xmlns:a="http://schemas.openxmlformats.org/drawingml/2006/main" xmlns:r="http://schemas.openxmlformats.org/officeDocument/2006/relationships" xmlns:p="http://schemas.openxmlformats.org/presentationml/2006/main">
+  <p:cSld>
+    <p:spTree>
+      <p:nvGrpSpPr>
+        <p:cNvPr id="1" name=""/>
+        <p:cNvGrpSpPr/>
+        <p:nvPr/>
+      </p:nvGrpSpPr>
+      <p:grpSpPr>
+        <a:xfrm>
+          <a:off x="0" y="0"/>
+          <a:ext cx="0" cy="0"/>
+          <a:chOff x="0" y="0"/>
+          <a:chExt cx="0" cy="0"/>
+        </a:xfrm>
+      </p:grpSpPr>
+      <p:sp>
+        <p:nvSpPr>
+          <p:cNvPr id="2" name="직사각형 1"/>
+          <p:cNvSpPr/>
+          <p:nvPr/>
+        </p:nvSpPr>
+        <p:spPr>
+          <a:xfrm>
+            <a:off x="683568" y="522258"/>
+            <a:ext cx="7632848" cy="523220"/>
+          </a:xfrm>
+          <a:prstGeom prst="rect">
+            <a:avLst/>
+          </a:prstGeom>
+        </p:spPr>
+        <p:txBody>
+          <a:bodyPr wrap="square">
+            <a:spAutoFit/>
+          </a:bodyPr>
+          <a:lstStyle/>
+          <a:p>
+            <a:pPr algn="ctr"/>
+            <a:r>
+              <a:rPr lang="ko-KR" altLang="en-US" sz="2800" b="1" dirty="0" smtClean="0">
+                <a:latin typeface="Consolas" panose="020B0609020204030204" pitchFamily="49" charset="0"/>
+              </a:rPr>
+              <a:t>챌린지</a:t>
+            </a:r>
+            <a:endParaRPr lang="ko-KR" altLang="en-US" sz="2800" b="1" dirty="0">
+              <a:latin typeface="Consolas" panose="020B0609020204030204" pitchFamily="49" charset="0"/>
+            </a:endParaRPr>
+          </a:p>
+        </p:txBody>
+      </p:sp>
+      <p:pic>
+        <p:nvPicPr>
+          <p:cNvPr id="5122" name="Picture 2" descr="C:\Users\smile\Desktop\Screen Shot 2021-02-04 at 오후 3.11.png"/>
+          <p:cNvPicPr>
+            <a:picLocks noChangeAspect="1" noChangeArrowheads="1"/>
+          </p:cNvPicPr>
+          <p:nvPr/>
+        </p:nvPicPr>
+        <p:blipFill>
+          <a:blip r:embed="rId2">
+            <a:extLst>
+              <a:ext uri="{28A0092B-C50C-407E-A947-70E740481C1C}">
+                <a14:useLocalDpi xmlns:a14="http://schemas.microsoft.com/office/drawing/2010/main" val="0"/>
+              </a:ext>
+            </a:extLst>
+          </a:blip>
+          <a:srcRect/>
+          <a:stretch>
+            <a:fillRect/>
+          </a:stretch>
+        </p:blipFill>
+        <p:spPr bwMode="auto">
+          <a:xfrm>
+            <a:off x="6084168" y="1679540"/>
+            <a:ext cx="2043546" cy="3683943"/>
+          </a:xfrm>
+          <a:prstGeom prst="rect">
+            <a:avLst/>
+          </a:prstGeom>
+          <a:noFill/>
+          <a:extLst>
+            <a:ext uri="{909E8E84-426E-40DD-AFC4-6F175D3DCCD1}">
+              <a14:hiddenFill xmlns:a14="http://schemas.microsoft.com/office/drawing/2010/main">
+                <a:solidFill>
+                  <a:srgbClr val="FFFFFF"/>
+                </a:solidFill>
+              </a14:hiddenFill>
+            </a:ext>
+          </a:extLst>
+        </p:spPr>
+      </p:pic>
+      <p:sp>
+        <p:nvSpPr>
+          <p:cNvPr id="3" name="직사각형 2"/>
+          <p:cNvSpPr/>
+          <p:nvPr/>
+        </p:nvSpPr>
+        <p:spPr>
+          <a:xfrm>
+            <a:off x="2286000" y="6165304"/>
+            <a:ext cx="4572000" cy="338554"/>
+          </a:xfrm>
+          <a:prstGeom prst="rect">
+            <a:avLst/>
+          </a:prstGeom>
+        </p:spPr>
+        <p:txBody>
+          <a:bodyPr>
+            <a:spAutoFit/>
+          </a:bodyPr>
+          <a:lstStyle/>
+          <a:p>
+            <a:r>
+              <a:rPr lang="en-US" altLang="ko-KR" sz="800" dirty="0"/>
+              <a:t>https://</a:t>
+            </a:r>
+            <a:r>
+              <a:rPr lang="en-US" altLang="ko-KR" sz="800" dirty="0" err="1"/>
+              <a:t>stackoverflow.com</a:t>
+            </a:r>
+            <a:r>
+              <a:rPr lang="en-US" altLang="ko-KR" sz="800" dirty="0"/>
+              <a:t>/questions/65224002/for-loop-stops-when-calling-function-in-firebase-for-unity-c-sharp</a:t>
+            </a:r>
+            <a:endParaRPr lang="ko-KR" altLang="en-US" sz="800" dirty="0"/>
+          </a:p>
+        </p:txBody>
+      </p:sp>
+      <p:pic>
+        <p:nvPicPr>
+          <p:cNvPr id="5123" name="Picture 3" descr="C:\Users\smile\Desktop\Screen Shot 2021-02-04 at 오후 3.11 - 2.png"/>
+          <p:cNvPicPr>
+            <a:picLocks noChangeAspect="1" noChangeArrowheads="1"/>
+          </p:cNvPicPr>
+          <p:nvPr/>
+        </p:nvPicPr>
+        <p:blipFill>
+          <a:blip r:embed="rId3">
+            <a:extLst>
+              <a:ext uri="{28A0092B-C50C-407E-A947-70E740481C1C}">
+                <a14:useLocalDpi xmlns:a14="http://schemas.microsoft.com/office/drawing/2010/main" val="0"/>
+              </a:ext>
+            </a:extLst>
+          </a:blip>
+          <a:srcRect/>
+          <a:stretch>
+            <a:fillRect/>
+          </a:stretch>
+        </p:blipFill>
+        <p:spPr bwMode="auto">
+          <a:xfrm>
+            <a:off x="323528" y="1669343"/>
+            <a:ext cx="5578152" cy="2973596"/>
+          </a:xfrm>
+          <a:prstGeom prst="rect">
+            <a:avLst/>
+          </a:prstGeom>
+          <a:noFill/>
+          <a:extLst>
+            <a:ext uri="{909E8E84-426E-40DD-AFC4-6F175D3DCCD1}">
+              <a14:hiddenFill xmlns:a14="http://schemas.microsoft.com/office/drawing/2010/main">
+                <a:solidFill>
+                  <a:srgbClr val="FFFFFF"/>
+                </a:solidFill>
+              </a14:hiddenFill>
+            </a:ext>
+          </a:extLst>
+        </p:spPr>
+      </p:pic>
+      <p:sp>
+        <p:nvSpPr>
+          <p:cNvPr id="6" name="직사각형 5"/>
+          <p:cNvSpPr/>
+          <p:nvPr/>
+        </p:nvSpPr>
+        <p:spPr>
+          <a:xfrm>
+            <a:off x="683568" y="1052736"/>
+            <a:ext cx="7632848" cy="276999"/>
+          </a:xfrm>
+          <a:prstGeom prst="rect">
+            <a:avLst/>
+          </a:prstGeom>
+        </p:spPr>
+        <p:txBody>
+          <a:bodyPr wrap="square">
+            <a:spAutoFit/>
+          </a:bodyPr>
+          <a:lstStyle/>
+          <a:p>
+            <a:pPr algn="ctr"/>
+            <a:r>
+              <a:rPr lang="ko-KR" altLang="en-US" sz="1200" dirty="0" smtClean="0">
+                <a:latin typeface="Consolas" panose="020B0609020204030204" pitchFamily="49" charset="0"/>
+              </a:rPr>
+              <a:t>데이터를 다음과 </a:t>
+            </a:r>
+            <a:r>
+              <a:rPr lang="ko-KR" altLang="en-US" sz="1200" smtClean="0">
+                <a:latin typeface="Consolas" panose="020B0609020204030204" pitchFamily="49" charset="0"/>
+              </a:rPr>
+              <a:t>리스트로 보여 주세요 </a:t>
+            </a:r>
+            <a:endParaRPr lang="ko-KR" altLang="en-US" sz="1200" dirty="0">
+              <a:latin typeface="Consolas" panose="020B0609020204030204" pitchFamily="49" charset="0"/>
+            </a:endParaRPr>
+          </a:p>
+        </p:txBody>
+      </p:sp>
+    </p:spTree>
+    <p:extLst>
+      <p:ext uri="{BB962C8B-B14F-4D97-AF65-F5344CB8AC3E}">
+        <p14:creationId xmlns:p14="http://schemas.microsoft.com/office/powerpoint/2010/main" val="3677067956"/>
+      </p:ext>
+    </p:extLst>
+  </p:cSld>
+  <p:clrMapOvr>
+    <a:masterClrMapping/>
+  </p:clrMapOvr>
+</p:sld>
+</file>
+
 <file path=ppt/slides/slide5.xml><?xml version="1.0" encoding="utf-8"?>
 <p:sld xmlns:a="http://schemas.openxmlformats.org/drawingml/2006/main" xmlns:r="http://schemas.openxmlformats.org/officeDocument/2006/relationships" xmlns:p="http://schemas.openxmlformats.org/presentationml/2006/main">
   <p:cSld>
